--- a/Matches/EveryDay Carry Championship/EveryDay Carry Championship - February 2022/North Pistol, A - Best Laid Plans.pptx
+++ b/Matches/EveryDay Carry Championship/EveryDay Carry Championship - February 2022/North Pistol, A - Best Laid Plans.pptx
@@ -1156,7 +1156,7 @@
               <a:pPr>
                 <a:defRPr/>
               </a:pPr>
-              <a:t>02.02.2022</a:t>
+              <a:t>05.02.2022</a:t>
             </a:fld>
             <a:endParaRPr lang="en-US"/>
           </a:p>
@@ -5052,14 +5052,14 @@
           <p:nvPr>
             <p:extLst>
               <p:ext uri="{D42A27DB-BD31-4B8C-83A1-F6EECF244321}">
-                <p14:modId xmlns:p14="http://schemas.microsoft.com/office/powerpoint/2010/main" val="2106497550"/>
+                <p14:modId xmlns:p14="http://schemas.microsoft.com/office/powerpoint/2010/main" val="1527486543"/>
               </p:ext>
             </p:extLst>
           </p:nvPr>
         </p:nvGraphicFramePr>
         <p:xfrm>
           <a:off x="152400" y="152400"/>
-          <a:ext cx="7010400" cy="5092363"/>
+          <a:ext cx="7010400" cy="4430185"/>
         </p:xfrm>
         <a:graphic>
           <a:graphicData uri="http://schemas.openxmlformats.org/drawingml/2006/table">
@@ -5188,7 +5188,7 @@
                         <a:tabLst/>
                       </a:pPr>
                       <a:r>
-                        <a:rPr kumimoji="0" lang="en-US" sz="1200" b="1" i="0" u="none" strike="noStrike" cap="none" normalizeH="0" baseline="0" dirty="0">
+                        <a:rPr kumimoji="0" lang="en-US" sz="1200" b="1" i="0" u="none" strike="noStrike" cap="none" normalizeH="0" baseline="0">
                           <a:ln>
                             <a:noFill/>
                           </a:ln>
@@ -5202,7 +5202,7 @@
                         <a:t>Interlake Sporting Association</a:t>
                       </a:r>
                       <a:br>
-                        <a:rPr kumimoji="0" lang="en-US" sz="1200" b="1" i="0" u="none" strike="noStrike" cap="none" normalizeH="0" baseline="0" dirty="0">
+                        <a:rPr kumimoji="0" lang="en-US" sz="1200" b="1" i="0" u="none" strike="noStrike" cap="none" normalizeH="0" baseline="0">
                           <a:ln>
                             <a:noFill/>
                           </a:ln>
@@ -5215,7 +5215,7 @@
                         </a:rPr>
                       </a:br>
                       <a:r>
-                        <a:rPr kumimoji="0" lang="en-US" sz="1200" b="1" i="0" u="none" strike="noStrike" cap="none" normalizeH="0" baseline="0" dirty="0">
+                        <a:rPr kumimoji="0" lang="en-US" sz="1200" b="1" i="0" u="none" strike="noStrike" cap="none" normalizeH="0" baseline="0">
                           <a:ln>
                             <a:noFill/>
                           </a:ln>
@@ -5229,7 +5229,7 @@
                         <a:t>North Pistol, A</a:t>
                       </a:r>
                       <a:br>
-                        <a:rPr kumimoji="0" lang="en-US" sz="1200" b="1" i="0" u="none" strike="noStrike" cap="none" normalizeH="0" baseline="0" dirty="0">
+                        <a:rPr kumimoji="0" lang="en-US" sz="1200" b="1" i="0" u="none" strike="noStrike" cap="none" normalizeH="0" baseline="0">
                           <a:ln>
                             <a:noFill/>
                           </a:ln>
@@ -5242,7 +5242,7 @@
                         </a:rPr>
                       </a:br>
                       <a:r>
-                        <a:rPr kumimoji="0" lang="en-US" sz="1200" b="1" i="0" u="none" strike="noStrike" kern="1200" cap="none" normalizeH="0" baseline="0" dirty="0">
+                        <a:rPr kumimoji="0" lang="en-US" sz="1200" b="1" i="0" u="none" strike="noStrike" kern="1200" cap="none" normalizeH="0" baseline="0">
                           <a:ln>
                             <a:noFill/>
                           </a:ln>
@@ -5257,7 +5257,7 @@
                         <a:t>Stage: Best Laid Plans </a:t>
                       </a:r>
                       <a:br>
-                        <a:rPr kumimoji="0" lang="en-US" sz="1200" b="1" i="0" u="none" strike="noStrike" kern="1200" cap="none" normalizeH="0" baseline="0" dirty="0">
+                        <a:rPr kumimoji="0" lang="en-US" sz="1200" b="1" i="0" u="none" strike="noStrike" kern="1200" cap="none" normalizeH="0" baseline="0">
                           <a:ln>
                             <a:noFill/>
                           </a:ln>
@@ -5271,7 +5271,7 @@
                         </a:rPr>
                       </a:br>
                       <a:r>
-                        <a:rPr kumimoji="0" lang="en-US" sz="1200" b="1" i="0" u="none" strike="noStrike" kern="1200" cap="none" normalizeH="0" baseline="0" dirty="0">
+                        <a:rPr kumimoji="0" lang="en-US" sz="1200" b="1" i="0" u="none" strike="noStrike" kern="1200" cap="none" normalizeH="0" baseline="0">
                           <a:ln>
                             <a:noFill/>
                           </a:ln>
@@ -5286,7 +5286,7 @@
                         <a:t>C</a:t>
                       </a:r>
                       <a:r>
-                        <a:rPr kumimoji="0" lang="en-US" sz="1200" b="1" i="0" u="none" strike="noStrike" cap="none" normalizeH="0" baseline="0" dirty="0">
+                        <a:rPr kumimoji="0" lang="en-US" sz="1200" b="1" i="0" u="none" strike="noStrike" cap="none" normalizeH="0" baseline="0">
                           <a:ln>
                             <a:noFill/>
                           </a:ln>
@@ -5298,6 +5298,16 @@
                         </a:rPr>
                         <a:t>ourse Designer: Stanley Lewis &amp; Marcel Englmaier</a:t>
                       </a:r>
+                      <a:endParaRPr kumimoji="0" lang="en-US" sz="1200" b="1" i="0" u="none" strike="noStrike" cap="none" normalizeH="0" baseline="0" dirty="0">
+                        <a:ln>
+                          <a:noFill/>
+                        </a:ln>
+                        <a:solidFill>
+                          <a:schemeClr val="tx1"/>
+                        </a:solidFill>
+                        <a:effectLst/>
+                        <a:latin typeface="Arial" charset="0"/>
+                      </a:endParaRPr>
                     </a:p>
                   </a:txBody>
                   <a:tcPr marL="45720" marR="45720" marT="45715" marB="45715" anchor="ctr" horzOverflow="overflow">
@@ -5469,20 +5479,6 @@
                           <a:ea typeface="ＭＳ Ｐゴシック" pitchFamily="-112" charset="-128"/>
                           <a:cs typeface="Times New Roman" pitchFamily="-112" charset="0"/>
                         </a:rPr>
-                        <a:t>START POSITION: </a:t>
-                      </a:r>
-                      <a:r>
-                        <a:rPr kumimoji="0" lang="en-US" sz="1100" b="1" i="0" u="none" strike="noStrike" cap="none" normalizeH="0" baseline="0" dirty="0">
-                          <a:ln>
-                            <a:noFill/>
-                          </a:ln>
-                          <a:solidFill>
-                            <a:schemeClr val="tx1"/>
-                          </a:solidFill>
-                          <a:effectLst/>
-                          <a:latin typeface="Arial" charset="0"/>
-                          <a:cs typeface="Times New Roman" charset="0"/>
-                        </a:rPr>
                         <a:t>START POSITION:</a:t>
                       </a:r>
                       <a:r>
@@ -5632,7 +5628,7 @@
                         <a:t> Handgun loaded &amp; holstered, wrists below belt. (</a:t>
                       </a:r>
                       <a:r>
-                        <a:rPr kumimoji="0" lang="en-US" sz="1100" b="1" i="0" u="none" strike="noStrike" cap="none" normalizeH="0" baseline="0" dirty="0" err="1">
+                        <a:rPr kumimoji="0" lang="en-US" sz="1100" b="1" i="0" u="none" strike="noStrike" cap="none" normalizeH="0" baseline="0" dirty="0">
                           <a:ln>
                             <a:noFill/>
                           </a:ln>
@@ -5643,7 +5639,7 @@
                           <a:latin typeface="Arial" charset="0"/>
                           <a:cs typeface="Times New Roman" charset="0"/>
                         </a:rPr>
-                        <a:t>pcc</a:t>
+                        <a:t>PCC</a:t>
                       </a:r>
                       <a:r>
                         <a:rPr kumimoji="0" lang="en-US" sz="1100" b="0" i="0" u="none" strike="noStrike" cap="none" normalizeH="0" baseline="0" dirty="0">
@@ -5659,96 +5655,6 @@
                         </a:rPr>
                         <a:t>: loaded, safety on, stock on belt, muzzle squarely downrange). Competitor standing in the box not used in String 1.</a:t>
                       </a:r>
-                      <a:endParaRPr kumimoji="0" lang="en-US" sz="1100" b="1" i="0" u="none" strike="noStrike" cap="none" normalizeH="0" baseline="0" dirty="0">
-                        <a:ln>
-                          <a:noFill/>
-                        </a:ln>
-                        <a:solidFill>
-                          <a:schemeClr val="tx1"/>
-                        </a:solidFill>
-                        <a:effectLst/>
-                        <a:latin typeface="Arial" charset="0"/>
-                        <a:cs typeface="Times New Roman" charset="0"/>
-                      </a:endParaRPr>
-                    </a:p>
-                    <a:p>
-                      <a:pPr marL="0" marR="0" lvl="0" indent="0" algn="l" defTabSz="966788" rtl="0" eaLnBrk="1" fontAlgn="base" latinLnBrk="0" hangingPunct="1">
-                        <a:lnSpc>
-                          <a:spcPct val="90000"/>
-                        </a:lnSpc>
-                        <a:spcBef>
-                          <a:spcPct val="10000"/>
-                        </a:spcBef>
-                        <a:spcAft>
-                          <a:spcPct val="0"/>
-                        </a:spcAft>
-                        <a:buClrTx/>
-                        <a:buSzTx/>
-                        <a:buFontTx/>
-                        <a:buNone/>
-                        <a:tabLst/>
-                      </a:pPr>
-                      <a:endParaRPr kumimoji="0" lang="en-US" sz="1100" b="0" i="0" u="none" strike="noStrike" cap="none" normalizeH="0" baseline="0" dirty="0">
-                        <a:ln>
-                          <a:noFill/>
-                        </a:ln>
-                        <a:solidFill>
-                          <a:schemeClr val="tx1"/>
-                        </a:solidFill>
-                        <a:effectLst/>
-                        <a:latin typeface="Arial" charset="0"/>
-                        <a:cs typeface="Times New Roman" charset="0"/>
-                      </a:endParaRPr>
-                    </a:p>
-                    <a:p>
-                      <a:pPr marL="0" marR="0" lvl="0" indent="0" algn="l" defTabSz="966788" rtl="0" eaLnBrk="1" fontAlgn="base" latinLnBrk="0" hangingPunct="1">
-                        <a:lnSpc>
-                          <a:spcPct val="90000"/>
-                        </a:lnSpc>
-                        <a:spcBef>
-                          <a:spcPct val="10000"/>
-                        </a:spcBef>
-                        <a:spcAft>
-                          <a:spcPct val="0"/>
-                        </a:spcAft>
-                        <a:buClrTx/>
-                        <a:buSzTx/>
-                        <a:buFontTx/>
-                        <a:buNone/>
-                        <a:tabLst/>
-                      </a:pPr>
-                      <a:r>
-                        <a:rPr kumimoji="0" lang="en-US" sz="1100" b="0" i="0" u="none" strike="noStrike" cap="none" normalizeH="0" baseline="0" dirty="0">
-                          <a:ln>
-                            <a:noFill/>
-                          </a:ln>
-                          <a:solidFill>
-                            <a:schemeClr val="tx1"/>
-                          </a:solidFill>
-                          <a:effectLst/>
-                          <a:latin typeface="Arial" charset="0"/>
-                          <a:cs typeface="Times New Roman" charset="0"/>
-                        </a:rPr>
-                        <a:t>Note: all magazines to be used must come from barrels. No stowing of magazines permitted within or between strings.</a:t>
-                      </a:r>
-                    </a:p>
-                    <a:p>
-                      <a:pPr marL="0" marR="0" lvl="0" indent="0" algn="l" defTabSz="966788" rtl="0" eaLnBrk="1" fontAlgn="base" latinLnBrk="0" hangingPunct="1">
-                        <a:lnSpc>
-                          <a:spcPct val="100000"/>
-                        </a:lnSpc>
-                        <a:spcBef>
-                          <a:spcPct val="5000"/>
-                        </a:spcBef>
-                        <a:spcAft>
-                          <a:spcPct val="0"/>
-                        </a:spcAft>
-                        <a:buClrTx/>
-                        <a:buSzTx/>
-                        <a:buFontTx/>
-                        <a:buNone/>
-                        <a:tabLst/>
-                      </a:pPr>
                       <a:endParaRPr kumimoji="0" lang="en-US" sz="1100" b="1" i="0" u="none" strike="noStrike" cap="none" normalizeH="0" baseline="0" dirty="0">
                         <a:ln>
                           <a:noFill/>
@@ -6095,7 +6001,35 @@
                           <a:latin typeface="Arial" charset="0"/>
                           <a:cs typeface="Times New Roman" charset="0"/>
                         </a:rPr>
-                        <a:t>Engage T1-T3 1 show only, freestyle.</a:t>
+                        <a:t>Engage T1-T3 with </a:t>
+                      </a:r>
+                      <a:r>
+                        <a:rPr kumimoji="0" lang="en-US" sz="1100" b="0" i="0" u="none" strike="noStrike" cap="none" normalizeH="0" baseline="0">
+                          <a:ln>
+                            <a:noFill/>
+                          </a:ln>
+                          <a:solidFill>
+                            <a:schemeClr val="tx1"/>
+                          </a:solidFill>
+                          <a:effectLst/>
+                          <a:latin typeface="Arial" charset="0"/>
+                          <a:cs typeface="Times New Roman" charset="0"/>
+                        </a:rPr>
+                        <a:t>1 round </a:t>
+                      </a:r>
+                      <a:r>
+                        <a:rPr kumimoji="0" lang="en-US" sz="1100" b="0" i="0" u="none" strike="noStrike" cap="none" normalizeH="0" baseline="0" dirty="0">
+                          <a:ln>
+                            <a:noFill/>
+                          </a:ln>
+                          <a:solidFill>
+                            <a:schemeClr val="tx1"/>
+                          </a:solidFill>
+                          <a:effectLst/>
+                          <a:latin typeface="Arial" charset="0"/>
+                          <a:cs typeface="Times New Roman" charset="0"/>
+                        </a:rPr>
+                        <a:t>only, freestyle.</a:t>
                       </a:r>
                       <a:endParaRPr kumimoji="0" lang="en-US" sz="1100" b="1" i="0" u="none" strike="noStrike" cap="none" normalizeH="0" baseline="0" dirty="0">
                         <a:ln>
@@ -6300,15 +6234,6 @@
                     </a:p>
                   </a:txBody>
                   <a:tcPr marL="45720" marR="45720" marT="45715" marB="45715" horzOverflow="overflow">
-                    <a:lnL w="28575" cap="flat" cmpd="sng" algn="ctr">
-                      <a:solidFill>
-                        <a:schemeClr val="tx1"/>
-                      </a:solidFill>
-                      <a:prstDash val="solid"/>
-                      <a:round/>
-                      <a:headEnd type="none" w="med" len="med"/>
-                      <a:tailEnd type="none" w="med" len="med"/>
-                    </a:lnL>
                     <a:lnR w="28575" cap="flat" cmpd="sng" algn="ctr">
                       <a:solidFill>
                         <a:schemeClr val="tx1"/>
